--- a/Rapport/Soutenance.pptx
+++ b/Rapport/Soutenance.pptx
@@ -121,6 +121,11 @@
       </a:defRPr>
     </a:lvl9pPr>
   </p:defaultTextStyle>
+  <p:extLst>
+    <p:ext uri="{EFAFB233-063F-42B5-8137-9DF3F51BA10A}">
+      <p15:sldGuideLst xmlns:p15="http://schemas.microsoft.com/office/powerpoint/2012/main"/>
+    </p:ext>
+  </p:extLst>
 </p:presentation>
 </file>
 
@@ -7405,7 +7410,7 @@
         </p:blipFill>
         <p:spPr>
           <a:xfrm>
-            <a:off x="0" y="1474895"/>
+            <a:off x="0" y="1341730"/>
             <a:ext cx="12192000" cy="6096000"/>
           </a:xfrm>
         </p:spPr>
@@ -7532,7 +7537,7 @@
         </p:blipFill>
         <p:spPr>
           <a:xfrm>
-            <a:off x="0" y="1524463"/>
+            <a:off x="0" y="1364665"/>
             <a:ext cx="12192000" cy="6096000"/>
           </a:xfrm>
           <a:prstGeom prst="rect">

--- a/Rapport/Soutenance.pptx
+++ b/Rapport/Soutenance.pptx
@@ -6310,7 +6310,7 @@
                 </a:solidFill>
                 <a:latin typeface="Baskerville Old Face" panose="02020602080505020303" pitchFamily="18" charset="0"/>
               </a:rPr>
-              <a:t>Ce fichier permet d’effectuer un pré traitement sur les textes du premier data frame afin de facilité le travail d'apprentissage de l’IA.</a:t>
+              <a:t>Ce fichier permet d’effectuer un prétraitement sur les textes du premier data frame afin de faciliter le travail d'apprentissage de l’IA.</a:t>
             </a:r>
           </a:p>
           <a:p>
@@ -6730,7 +6730,7 @@
         </p:spPr>
         <p:txBody>
           <a:bodyPr anchor="ctr">
-            <a:normAutofit fontScale="92500" lnSpcReduction="20000"/>
+            <a:normAutofit fontScale="92500" lnSpcReduction="10000"/>
           </a:bodyPr>
           <a:lstStyle/>
           <a:p>
@@ -6748,7 +6748,7 @@
                   </a:schemeClr>
                 </a:solidFill>
               </a:rPr>
-              <a:t>Ce fichier a pour fonction de créer un classificateur pour chaque classes qui possèdent des données pour s'entrainer. </a:t>
+              <a:t>Ce fichier a pour fonction de créer un classifieur pour chaque classe qui possède des données pour s'entrainer. </a:t>
             </a:r>
           </a:p>
           <a:p>
@@ -6792,7 +6792,7 @@
                   </a:schemeClr>
                 </a:solidFill>
               </a:rPr>
-              <a:t> : un classificateur de la librairie </a:t>
+              <a:t> : un classifieur de la librairie </a:t>
             </a:r>
             <a:r>
               <a:rPr lang="fr-FR" dirty="0" err="1">
@@ -7002,7 +7002,7 @@
                   </a:schemeClr>
                 </a:solidFill>
               </a:rPr>
-              <a:t>d'itération maximum de 1000</a:t>
+              <a:t>d'itérations maximum de 1000</a:t>
             </a:r>
           </a:p>
           <a:p>
@@ -7068,7 +7068,7 @@
                   </a:schemeClr>
                 </a:solidFill>
               </a:rPr>
-              <a:t>) : un algorithme qui créer des données à partir de celle existantes. </a:t>
+              <a:t>) : un algorithme qui créé des données à partir de celles existantes. </a:t>
             </a:r>
           </a:p>
         </p:txBody>
@@ -7235,7 +7235,7 @@
                   </a:schemeClr>
                 </a:solidFill>
               </a:rPr>
-              <a:t>Ce fichier permet de mettre en place la représentation graphiques des résultats obtenus. Les données sont récupérées lors de la classification du fichier précédent</a:t>
+              <a:t>Ce fichier permet de mettre en place la représentation graphique des résultats obtenus. Les données sont récupérées lors de la classification du fichier précédent.</a:t>
             </a:r>
           </a:p>
           <a:p>
@@ -7258,7 +7258,7 @@
                   </a:schemeClr>
                 </a:solidFill>
               </a:rPr>
-              <a:t>Cela permet d'avoir une vision générale mais rapide des différents score évalués. </a:t>
+              <a:t>Cela permet d'avoir une vision générale mais rapide des différents scores évalués.</a:t>
             </a:r>
           </a:p>
           <a:p>
@@ -7281,7 +7281,7 @@
                   </a:schemeClr>
                 </a:solidFill>
               </a:rPr>
-              <a:t>Beaucoup de classes différentes : un rapport de classification détaillés pour chaque classes n’est pas pertinent.</a:t>
+              <a:t>Beaucoup de classes différentes : un rapport de classification détaillé pour chaque classe n’est pas pertinent.</a:t>
             </a:r>
           </a:p>
         </p:txBody>
@@ -8067,7 +8067,7 @@
                 </a:solidFill>
                 <a:latin typeface="Baskerville Old Face" panose="02020602080505020303" pitchFamily="18" charset="0"/>
               </a:rPr>
-              <a:t>jeu d’entrainement trop pauvre en données pour des classes. </a:t>
+              <a:t>jeu d’entrainement trop pauvre en données pour certaines classes. </a:t>
             </a:r>
             <a:endParaRPr lang="fr-FR" sz="2200" b="1" u="sng" dirty="0">
               <a:solidFill>
@@ -8198,7 +8198,7 @@
                 </a:solidFill>
                 <a:latin typeface="Baskerville Old Face" panose="02020602080505020303" pitchFamily="18" charset="0"/>
               </a:rPr>
-              <a:t>changer les Tokens des modèles spécifiques lors de leur récupération par un mot plus général.</a:t>
+              <a:t>changer les Tokens des modèles spécifiques lors de leur récupération par un mot plus général. </a:t>
             </a:r>
             <a:endParaRPr lang="fr-FR" b="1" dirty="0">
               <a:solidFill>
@@ -8288,7 +8288,7 @@
                 </a:solidFill>
                 <a:latin typeface="Baskerville Old Face" panose="02020602080505020303" pitchFamily="18" charset="0"/>
               </a:rPr>
-              <a:t>isoler le morceau de phrase qui a permit de détecter la classe. Puis à partir de ce sous-ensemble, faire de nouveau une classification sur la polarité. </a:t>
+              <a:t>isoler le morceau de phrase qui a permis de détecter la classe. Puis à partir de ce sous-ensemble, faire de nouveau une classification sur la polarité. </a:t>
             </a:r>
             <a:endParaRPr lang="fr-FR" b="1" dirty="0">
               <a:solidFill>
@@ -8709,7 +8709,7 @@
                 </a:solidFill>
                 <a:latin typeface="Baskerville Old Face" panose="02020602080505020303" pitchFamily="18" charset="0"/>
               </a:rPr>
-              <a:t>Le but est de retrouvé pour chaque phrase d’un commentaire le(s) couple(s) </a:t>
+              <a:t>Le but est de retrouver pour chaque phrase d’un commentaire le(s) couple(s) </a:t>
             </a:r>
             <a:r>
               <a:rPr lang="fr-FR" sz="2400" b="1" dirty="0" err="1">
@@ -13508,7 +13508,7 @@
                 </a:solidFill>
                 <a:latin typeface="Baskerville Old Face" panose="02020602080505020303" pitchFamily="18" charset="0"/>
               </a:rPr>
-              <a:t>nombreuses données pour chaque couples </a:t>
+              <a:t>nombreuses données pour chaque couple </a:t>
             </a:r>
             <a:r>
               <a:rPr lang="fr-FR" sz="2400" dirty="0">
@@ -13597,7 +13597,7 @@
                 </a:solidFill>
                 <a:latin typeface="Baskerville Old Face" panose="02020602080505020303" pitchFamily="18" charset="0"/>
               </a:rPr>
-              <a:t>Pour les phrases portant sur les clavier, écran, pavé tactile et batterie beaucoup proviennent </a:t>
+              <a:t>Pour les phrases portant sur les claviers, écrans, pavés tactile et batteries beaucoup proviennent </a:t>
             </a:r>
             <a:r>
               <a:rPr lang="fr-FR" sz="2400" b="1" dirty="0">
@@ -13609,7 +13609,7 @@
                 </a:solidFill>
                 <a:latin typeface="Baskerville Old Face" panose="02020602080505020303" pitchFamily="18" charset="0"/>
               </a:rPr>
-              <a:t>d'avis de consommateur sur les ordinateur portables les plus commentés sur Amazon (en anglais).</a:t>
+              <a:t>d'avis de consommateurs sur les ordinateurs portables les plus commentés sur Amazon (en anglais).</a:t>
             </a:r>
           </a:p>
           <a:p>
